--- a/332-비동기 프로그래밍/332-1.비동기통신.pptx
+++ b/332-비동기 프로그래밍/332-1.비동기통신.pptx
@@ -118,6 +118,11 @@
       </a:defRPr>
     </a:lvl9pPr>
   </p:defaultTextStyle>
+  <p:extLst>
+    <p:ext uri="{EFAFB233-063F-42B5-8137-9DF3F51BA10A}">
+      <p15:sldGuideLst xmlns:p15="http://schemas.microsoft.com/office/powerpoint/2012/main"/>
+    </p:ext>
+  </p:extLst>
 </p:presentation>
 </file>
 
@@ -268,7 +273,7 @@
           <a:p>
             <a:fld id="{6EF0133E-5F55-4CDF-945F-ECD6AD265AC8}" type="datetimeFigureOut">
               <a:rPr lang="ko-KR" altLang="en-US" smtClean="0"/>
-              <a:t>2023-05-21</a:t>
+              <a:t>2023-05-30</a:t>
             </a:fld>
             <a:endParaRPr lang="ko-KR" altLang="en-US"/>
           </a:p>
@@ -466,7 +471,7 @@
           <a:p>
             <a:fld id="{6EF0133E-5F55-4CDF-945F-ECD6AD265AC8}" type="datetimeFigureOut">
               <a:rPr lang="ko-KR" altLang="en-US" smtClean="0"/>
-              <a:t>2023-05-21</a:t>
+              <a:t>2023-05-30</a:t>
             </a:fld>
             <a:endParaRPr lang="ko-KR" altLang="en-US"/>
           </a:p>
@@ -674,7 +679,7 @@
           <a:p>
             <a:fld id="{6EF0133E-5F55-4CDF-945F-ECD6AD265AC8}" type="datetimeFigureOut">
               <a:rPr lang="ko-KR" altLang="en-US" smtClean="0"/>
-              <a:t>2023-05-21</a:t>
+              <a:t>2023-05-30</a:t>
             </a:fld>
             <a:endParaRPr lang="ko-KR" altLang="en-US"/>
           </a:p>
@@ -872,7 +877,7 @@
           <a:p>
             <a:fld id="{6EF0133E-5F55-4CDF-945F-ECD6AD265AC8}" type="datetimeFigureOut">
               <a:rPr lang="ko-KR" altLang="en-US" smtClean="0"/>
-              <a:t>2023-05-21</a:t>
+              <a:t>2023-05-30</a:t>
             </a:fld>
             <a:endParaRPr lang="ko-KR" altLang="en-US"/>
           </a:p>
@@ -1147,7 +1152,7 @@
           <a:p>
             <a:fld id="{6EF0133E-5F55-4CDF-945F-ECD6AD265AC8}" type="datetimeFigureOut">
               <a:rPr lang="ko-KR" altLang="en-US" smtClean="0"/>
-              <a:t>2023-05-21</a:t>
+              <a:t>2023-05-30</a:t>
             </a:fld>
             <a:endParaRPr lang="ko-KR" altLang="en-US"/>
           </a:p>
@@ -1412,7 +1417,7 @@
           <a:p>
             <a:fld id="{6EF0133E-5F55-4CDF-945F-ECD6AD265AC8}" type="datetimeFigureOut">
               <a:rPr lang="ko-KR" altLang="en-US" smtClean="0"/>
-              <a:t>2023-05-21</a:t>
+              <a:t>2023-05-30</a:t>
             </a:fld>
             <a:endParaRPr lang="ko-KR" altLang="en-US"/>
           </a:p>
@@ -1824,7 +1829,7 @@
           <a:p>
             <a:fld id="{6EF0133E-5F55-4CDF-945F-ECD6AD265AC8}" type="datetimeFigureOut">
               <a:rPr lang="ko-KR" altLang="en-US" smtClean="0"/>
-              <a:t>2023-05-21</a:t>
+              <a:t>2023-05-30</a:t>
             </a:fld>
             <a:endParaRPr lang="ko-KR" altLang="en-US"/>
           </a:p>
@@ -1965,7 +1970,7 @@
           <a:p>
             <a:fld id="{6EF0133E-5F55-4CDF-945F-ECD6AD265AC8}" type="datetimeFigureOut">
               <a:rPr lang="ko-KR" altLang="en-US" smtClean="0"/>
-              <a:t>2023-05-21</a:t>
+              <a:t>2023-05-30</a:t>
             </a:fld>
             <a:endParaRPr lang="ko-KR" altLang="en-US"/>
           </a:p>
@@ -2078,7 +2083,7 @@
           <a:p>
             <a:fld id="{6EF0133E-5F55-4CDF-945F-ECD6AD265AC8}" type="datetimeFigureOut">
               <a:rPr lang="ko-KR" altLang="en-US" smtClean="0"/>
-              <a:t>2023-05-21</a:t>
+              <a:t>2023-05-30</a:t>
             </a:fld>
             <a:endParaRPr lang="ko-KR" altLang="en-US"/>
           </a:p>
@@ -2389,7 +2394,7 @@
           <a:p>
             <a:fld id="{6EF0133E-5F55-4CDF-945F-ECD6AD265AC8}" type="datetimeFigureOut">
               <a:rPr lang="ko-KR" altLang="en-US" smtClean="0"/>
-              <a:t>2023-05-21</a:t>
+              <a:t>2023-05-30</a:t>
             </a:fld>
             <a:endParaRPr lang="ko-KR" altLang="en-US"/>
           </a:p>
@@ -2677,7 +2682,7 @@
           <a:p>
             <a:fld id="{6EF0133E-5F55-4CDF-945F-ECD6AD265AC8}" type="datetimeFigureOut">
               <a:rPr lang="ko-KR" altLang="en-US" smtClean="0"/>
-              <a:t>2023-05-21</a:t>
+              <a:t>2023-05-30</a:t>
             </a:fld>
             <a:endParaRPr lang="ko-KR" altLang="en-US"/>
           </a:p>
@@ -2918,7 +2923,7 @@
           <a:p>
             <a:fld id="{6EF0133E-5F55-4CDF-945F-ECD6AD265AC8}" type="datetimeFigureOut">
               <a:rPr lang="ko-KR" altLang="en-US" smtClean="0"/>
-              <a:t>2023-05-21</a:t>
+              <a:t>2023-05-30</a:t>
             </a:fld>
             <a:endParaRPr lang="ko-KR" altLang="en-US"/>
           </a:p>
@@ -7005,8 +7010,16 @@
               <a:t>: </a:t>
             </a:r>
             <a:r>
+              <a:rPr lang="ko-KR" altLang="en-US" sz="1600" dirty="0">
+                <a:solidFill>
+                  <a:srgbClr val="FF0000"/>
+                </a:solidFill>
+              </a:rPr>
+              <a:t>프로세스</a:t>
+            </a:r>
+            <a:r>
               <a:rPr lang="ko-KR" altLang="en-US" sz="1600" dirty="0"/>
-              <a:t>프로세스에서 작업을 실행하는 단위</a:t>
+              <a:t>에서 작업을 실행하는 단위</a:t>
             </a:r>
             <a:endParaRPr lang="en-US" altLang="ko-KR" sz="1600" dirty="0"/>
           </a:p>
@@ -7073,8 +7086,28 @@
               </a:lnSpc>
             </a:pPr>
             <a:r>
-              <a:rPr lang="ko-KR" altLang="en-US" sz="1600" dirty="0"/>
-              <a:t>자바스크립트는 싱글 스레드를 사용한다</a:t>
+              <a:rPr lang="ko-KR" altLang="en-US" sz="1600" dirty="0">
+                <a:solidFill>
+                  <a:srgbClr val="FF0000"/>
+                </a:solidFill>
+              </a:rPr>
+              <a:t>자바스크립트는 싱글 </a:t>
+            </a:r>
+            <a:r>
+              <a:rPr lang="ko-KR" altLang="en-US" sz="1600" b="1" dirty="0">
+                <a:solidFill>
+                  <a:srgbClr val="FF0000"/>
+                </a:solidFill>
+              </a:rPr>
+              <a:t>스레드</a:t>
+            </a:r>
+            <a:r>
+              <a:rPr lang="ko-KR" altLang="en-US" sz="1600" dirty="0">
+                <a:solidFill>
+                  <a:srgbClr val="FF0000"/>
+                </a:solidFill>
+              </a:rPr>
+              <a:t>를 사용한다</a:t>
             </a:r>
             <a:r>
               <a:rPr lang="en-US" altLang="ko-KR" sz="1600" dirty="0"/>
